--- a/Fraudulent_Claim_Detection_Naveen-Sunava.pptx
+++ b/Fraudulent_Claim_Detection_Naveen-Sunava.pptx
@@ -132,6 +132,224 @@
     </p:ext>
   </p:extLst>
 </p:presentation>
+</file>
+
+<file path=ppt/changesInfos/changesInfo1.xml><?xml version="1.0" encoding="utf-8"?>
+<pc:chgInfo xmlns:a="http://schemas.openxmlformats.org/drawingml/2006/main" xmlns:r="http://schemas.openxmlformats.org/officeDocument/2006/relationships" xmlns:ac="http://schemas.microsoft.com/office/drawing/2013/main/command" xmlns:pc="http://schemas.microsoft.com/office/powerpoint/2013/main/command">
+  <pc:docChgLst>
+    <pc:chgData name="Neogy, Sunava" userId="d332b65f-399d-4229-a98f-4431afd8037b" providerId="ADAL" clId="{D95AD4DA-4179-4835-B32B-7218F186544D}"/>
+    <pc:docChg chg="undo custSel modSld sldOrd">
+      <pc:chgData name="Neogy, Sunava" userId="d332b65f-399d-4229-a98f-4431afd8037b" providerId="ADAL" clId="{D95AD4DA-4179-4835-B32B-7218F186544D}" dt="2025-04-08T11:38:09.731" v="86"/>
+      <pc:docMkLst>
+        <pc:docMk/>
+      </pc:docMkLst>
+      <pc:sldChg chg="modSp mod">
+        <pc:chgData name="Neogy, Sunava" userId="d332b65f-399d-4229-a98f-4431afd8037b" providerId="ADAL" clId="{D95AD4DA-4179-4835-B32B-7218F186544D}" dt="2025-04-08T11:33:52.953" v="56" actId="20577"/>
+        <pc:sldMkLst>
+          <pc:docMk/>
+          <pc:sldMk cId="1592060688" sldId="256"/>
+        </pc:sldMkLst>
+        <pc:spChg chg="mod">
+          <ac:chgData name="Neogy, Sunava" userId="d332b65f-399d-4229-a98f-4431afd8037b" providerId="ADAL" clId="{D95AD4DA-4179-4835-B32B-7218F186544D}" dt="2025-04-08T11:33:52.953" v="56" actId="20577"/>
+          <ac:spMkLst>
+            <pc:docMk/>
+            <pc:sldMk cId="1592060688" sldId="256"/>
+            <ac:spMk id="3" creationId="{40D5C22D-63D0-1A69-2772-6A830C730C22}"/>
+          </ac:spMkLst>
+        </pc:spChg>
+      </pc:sldChg>
+      <pc:sldChg chg="modSp mod">
+        <pc:chgData name="Neogy, Sunava" userId="d332b65f-399d-4229-a98f-4431afd8037b" providerId="ADAL" clId="{D95AD4DA-4179-4835-B32B-7218F186544D}" dt="2025-04-08T11:37:16.259" v="82" actId="14100"/>
+        <pc:sldMkLst>
+          <pc:docMk/>
+          <pc:sldMk cId="3153996740" sldId="257"/>
+        </pc:sldMkLst>
+        <pc:spChg chg="mod">
+          <ac:chgData name="Neogy, Sunava" userId="d332b65f-399d-4229-a98f-4431afd8037b" providerId="ADAL" clId="{D95AD4DA-4179-4835-B32B-7218F186544D}" dt="2025-04-08T11:37:16.259" v="82" actId="14100"/>
+          <ac:spMkLst>
+            <pc:docMk/>
+            <pc:sldMk cId="3153996740" sldId="257"/>
+            <ac:spMk id="3" creationId="{FF988DA5-D335-63CD-01E3-5DC7403B5F66}"/>
+          </ac:spMkLst>
+        </pc:spChg>
+      </pc:sldChg>
+      <pc:sldChg chg="modSp mod">
+        <pc:chgData name="Neogy, Sunava" userId="d332b65f-399d-4229-a98f-4431afd8037b" providerId="ADAL" clId="{D95AD4DA-4179-4835-B32B-7218F186544D}" dt="2025-04-08T11:36:14.393" v="72" actId="14100"/>
+        <pc:sldMkLst>
+          <pc:docMk/>
+          <pc:sldMk cId="1701489988" sldId="258"/>
+        </pc:sldMkLst>
+        <pc:spChg chg="mod">
+          <ac:chgData name="Neogy, Sunava" userId="d332b65f-399d-4229-a98f-4431afd8037b" providerId="ADAL" clId="{D95AD4DA-4179-4835-B32B-7218F186544D}" dt="2025-04-08T11:36:14.393" v="72" actId="14100"/>
+          <ac:spMkLst>
+            <pc:docMk/>
+            <pc:sldMk cId="1701489988" sldId="258"/>
+            <ac:spMk id="3" creationId="{49D51543-3A77-299D-EE88-6BB9E22DE581}"/>
+          </ac:spMkLst>
+        </pc:spChg>
+      </pc:sldChg>
+      <pc:sldChg chg="modSp mod">
+        <pc:chgData name="Neogy, Sunava" userId="d332b65f-399d-4229-a98f-4431afd8037b" providerId="ADAL" clId="{D95AD4DA-4179-4835-B32B-7218F186544D}" dt="2025-04-08T11:36:24.144" v="74" actId="14100"/>
+        <pc:sldMkLst>
+          <pc:docMk/>
+          <pc:sldMk cId="3554478353" sldId="259"/>
+        </pc:sldMkLst>
+        <pc:spChg chg="mod">
+          <ac:chgData name="Neogy, Sunava" userId="d332b65f-399d-4229-a98f-4431afd8037b" providerId="ADAL" clId="{D95AD4DA-4179-4835-B32B-7218F186544D}" dt="2025-04-08T11:36:24.144" v="74" actId="14100"/>
+          <ac:spMkLst>
+            <pc:docMk/>
+            <pc:sldMk cId="3554478353" sldId="259"/>
+            <ac:spMk id="3" creationId="{8B3D06B3-B5FE-3089-15E8-46016A754887}"/>
+          </ac:spMkLst>
+        </pc:spChg>
+      </pc:sldChg>
+      <pc:sldChg chg="modSp mod">
+        <pc:chgData name="Neogy, Sunava" userId="d332b65f-399d-4229-a98f-4431afd8037b" providerId="ADAL" clId="{D95AD4DA-4179-4835-B32B-7218F186544D}" dt="2025-04-08T11:33:07.019" v="50" actId="14100"/>
+        <pc:sldMkLst>
+          <pc:docMk/>
+          <pc:sldMk cId="1831740077" sldId="260"/>
+        </pc:sldMkLst>
+        <pc:spChg chg="mod">
+          <ac:chgData name="Neogy, Sunava" userId="d332b65f-399d-4229-a98f-4431afd8037b" providerId="ADAL" clId="{D95AD4DA-4179-4835-B32B-7218F186544D}" dt="2025-04-08T11:33:07.019" v="50" actId="14100"/>
+          <ac:spMkLst>
+            <pc:docMk/>
+            <pc:sldMk cId="1831740077" sldId="260"/>
+            <ac:spMk id="3" creationId="{A8291705-C41C-D07E-FD30-CAD346BFBFDB}"/>
+          </ac:spMkLst>
+        </pc:spChg>
+      </pc:sldChg>
+      <pc:sldChg chg="modSp mod">
+        <pc:chgData name="Neogy, Sunava" userId="d332b65f-399d-4229-a98f-4431afd8037b" providerId="ADAL" clId="{D95AD4DA-4179-4835-B32B-7218F186544D}" dt="2025-04-08T11:36:55.861" v="79" actId="14100"/>
+        <pc:sldMkLst>
+          <pc:docMk/>
+          <pc:sldMk cId="4254373899" sldId="261"/>
+        </pc:sldMkLst>
+        <pc:spChg chg="mod">
+          <ac:chgData name="Neogy, Sunava" userId="d332b65f-399d-4229-a98f-4431afd8037b" providerId="ADAL" clId="{D95AD4DA-4179-4835-B32B-7218F186544D}" dt="2025-04-08T11:36:55.861" v="79" actId="14100"/>
+          <ac:spMkLst>
+            <pc:docMk/>
+            <pc:sldMk cId="4254373899" sldId="261"/>
+            <ac:spMk id="3" creationId="{6B84982B-7156-A692-61C4-09091A9426E4}"/>
+          </ac:spMkLst>
+        </pc:spChg>
+      </pc:sldChg>
+      <pc:sldChg chg="modSp mod">
+        <pc:chgData name="Neogy, Sunava" userId="d332b65f-399d-4229-a98f-4431afd8037b" providerId="ADAL" clId="{D95AD4DA-4179-4835-B32B-7218F186544D}" dt="2025-04-08T11:36:03.958" v="70" actId="27636"/>
+        <pc:sldMkLst>
+          <pc:docMk/>
+          <pc:sldMk cId="524566198" sldId="262"/>
+        </pc:sldMkLst>
+        <pc:spChg chg="mod">
+          <ac:chgData name="Neogy, Sunava" userId="d332b65f-399d-4229-a98f-4431afd8037b" providerId="ADAL" clId="{D95AD4DA-4179-4835-B32B-7218F186544D}" dt="2025-04-08T11:36:03.958" v="70" actId="27636"/>
+          <ac:spMkLst>
+            <pc:docMk/>
+            <pc:sldMk cId="524566198" sldId="262"/>
+            <ac:spMk id="3" creationId="{219BC096-3564-0339-2621-40D99D77CE13}"/>
+          </ac:spMkLst>
+        </pc:spChg>
+      </pc:sldChg>
+      <pc:sldChg chg="modSp mod">
+        <pc:chgData name="Neogy, Sunava" userId="d332b65f-399d-4229-a98f-4431afd8037b" providerId="ADAL" clId="{D95AD4DA-4179-4835-B32B-7218F186544D}" dt="2025-04-08T11:36:35.531" v="76" actId="14100"/>
+        <pc:sldMkLst>
+          <pc:docMk/>
+          <pc:sldMk cId="2573527926" sldId="263"/>
+        </pc:sldMkLst>
+        <pc:spChg chg="mod">
+          <ac:chgData name="Neogy, Sunava" userId="d332b65f-399d-4229-a98f-4431afd8037b" providerId="ADAL" clId="{D95AD4DA-4179-4835-B32B-7218F186544D}" dt="2025-04-08T11:36:35.531" v="76" actId="14100"/>
+          <ac:spMkLst>
+            <pc:docMk/>
+            <pc:sldMk cId="2573527926" sldId="263"/>
+            <ac:spMk id="3" creationId="{500C5328-53F0-7039-C03F-04410152E63A}"/>
+          </ac:spMkLst>
+        </pc:spChg>
+      </pc:sldChg>
+      <pc:sldChg chg="modSp mod">
+        <pc:chgData name="Neogy, Sunava" userId="d332b65f-399d-4229-a98f-4431afd8037b" providerId="ADAL" clId="{D95AD4DA-4179-4835-B32B-7218F186544D}" dt="2025-04-08T11:36:47.096" v="78" actId="14100"/>
+        <pc:sldMkLst>
+          <pc:docMk/>
+          <pc:sldMk cId="3663075334" sldId="264"/>
+        </pc:sldMkLst>
+        <pc:spChg chg="mod">
+          <ac:chgData name="Neogy, Sunava" userId="d332b65f-399d-4229-a98f-4431afd8037b" providerId="ADAL" clId="{D95AD4DA-4179-4835-B32B-7218F186544D}" dt="2025-04-08T11:36:47.096" v="78" actId="14100"/>
+          <ac:spMkLst>
+            <pc:docMk/>
+            <pc:sldMk cId="3663075334" sldId="264"/>
+            <ac:spMk id="3" creationId="{5E6CF415-5F5B-9F05-1993-A68F6A066522}"/>
+          </ac:spMkLst>
+        </pc:spChg>
+      </pc:sldChg>
+      <pc:sldChg chg="modSp mod ord">
+        <pc:chgData name="Neogy, Sunava" userId="d332b65f-399d-4229-a98f-4431afd8037b" providerId="ADAL" clId="{D95AD4DA-4179-4835-B32B-7218F186544D}" dt="2025-04-08T11:35:06.870" v="58"/>
+        <pc:sldMkLst>
+          <pc:docMk/>
+          <pc:sldMk cId="3343774650" sldId="265"/>
+        </pc:sldMkLst>
+        <pc:spChg chg="mod">
+          <ac:chgData name="Neogy, Sunava" userId="d332b65f-399d-4229-a98f-4431afd8037b" providerId="ADAL" clId="{D95AD4DA-4179-4835-B32B-7218F186544D}" dt="2025-04-08T11:33:30.275" v="53" actId="33524"/>
+          <ac:spMkLst>
+            <pc:docMk/>
+            <pc:sldMk cId="3343774650" sldId="265"/>
+            <ac:spMk id="3" creationId="{C8C0AAB8-C23E-7DCE-7F7F-8D13B3F996E3}"/>
+          </ac:spMkLst>
+        </pc:spChg>
+      </pc:sldChg>
+      <pc:sldChg chg="modSp mod">
+        <pc:chgData name="Neogy, Sunava" userId="d332b65f-399d-4229-a98f-4431afd8037b" providerId="ADAL" clId="{D95AD4DA-4179-4835-B32B-7218F186544D}" dt="2025-04-08T11:37:58.284" v="84" actId="1076"/>
+        <pc:sldMkLst>
+          <pc:docMk/>
+          <pc:sldMk cId="1071123289" sldId="266"/>
+        </pc:sldMkLst>
+        <pc:spChg chg="mod">
+          <ac:chgData name="Neogy, Sunava" userId="d332b65f-399d-4229-a98f-4431afd8037b" providerId="ADAL" clId="{D95AD4DA-4179-4835-B32B-7218F186544D}" dt="2025-04-08T11:37:58.284" v="84" actId="1076"/>
+          <ac:spMkLst>
+            <pc:docMk/>
+            <pc:sldMk cId="1071123289" sldId="266"/>
+            <ac:spMk id="2" creationId="{3508709D-4EFF-D962-D918-E94CE73DDCED}"/>
+          </ac:spMkLst>
+        </pc:spChg>
+        <pc:spChg chg="mod">
+          <ac:chgData name="Neogy, Sunava" userId="d332b65f-399d-4229-a98f-4431afd8037b" providerId="ADAL" clId="{D95AD4DA-4179-4835-B32B-7218F186544D}" dt="2025-04-08T11:31:19.312" v="40" actId="20577"/>
+          <ac:spMkLst>
+            <pc:docMk/>
+            <pc:sldMk cId="1071123289" sldId="266"/>
+            <ac:spMk id="3" creationId="{67FF6A15-7CCF-2120-9EE1-D8EB72BA0723}"/>
+          </ac:spMkLst>
+        </pc:spChg>
+        <pc:picChg chg="mod">
+          <ac:chgData name="Neogy, Sunava" userId="d332b65f-399d-4229-a98f-4431afd8037b" providerId="ADAL" clId="{D95AD4DA-4179-4835-B32B-7218F186544D}" dt="2025-04-08T11:31:02.612" v="36" actId="14100"/>
+          <ac:picMkLst>
+            <pc:docMk/>
+            <pc:sldMk cId="1071123289" sldId="266"/>
+            <ac:picMk id="8" creationId="{B85C2DC1-8F17-5D17-6CB6-655B629DF5A4}"/>
+          </ac:picMkLst>
+        </pc:picChg>
+      </pc:sldChg>
+      <pc:sldChg chg="modSp mod ord">
+        <pc:chgData name="Neogy, Sunava" userId="d332b65f-399d-4229-a98f-4431afd8037b" providerId="ADAL" clId="{D95AD4DA-4179-4835-B32B-7218F186544D}" dt="2025-04-08T11:38:09.731" v="86"/>
+        <pc:sldMkLst>
+          <pc:docMk/>
+          <pc:sldMk cId="3750829591" sldId="267"/>
+        </pc:sldMkLst>
+        <pc:spChg chg="mod">
+          <ac:chgData name="Neogy, Sunava" userId="d332b65f-399d-4229-a98f-4431afd8037b" providerId="ADAL" clId="{D95AD4DA-4179-4835-B32B-7218F186544D}" dt="2025-04-08T11:37:50.012" v="83" actId="1076"/>
+          <ac:spMkLst>
+            <pc:docMk/>
+            <pc:sldMk cId="3750829591" sldId="267"/>
+            <ac:spMk id="2" creationId="{75DA1BFE-5FE8-B2BD-28EF-F12CBD6A3699}"/>
+          </ac:spMkLst>
+        </pc:spChg>
+        <pc:spChg chg="mod">
+          <ac:chgData name="Neogy, Sunava" userId="d332b65f-399d-4229-a98f-4431afd8037b" providerId="ADAL" clId="{D95AD4DA-4179-4835-B32B-7218F186544D}" dt="2025-04-08T11:32:22.572" v="45" actId="1076"/>
+          <ac:spMkLst>
+            <pc:docMk/>
+            <pc:sldMk cId="3750829591" sldId="267"/>
+            <ac:spMk id="3" creationId="{C8E86B96-86F7-5FE7-65ED-C29B5F151D48}"/>
+          </ac:spMkLst>
+        </pc:spChg>
+      </pc:sldChg>
+    </pc:docChg>
+  </pc:docChgLst>
+</pc:chgInfo>
 </file>
 
 <file path=ppt/slideLayouts/slideLayout1.xml><?xml version="1.0" encoding="utf-8"?>
@@ -5912,39 +6130,7 @@
                 <a:latin typeface="Arial" panose="020B0604020202020204" pitchFamily="34" charset="0"/>
                 <a:ea typeface="Arial" panose="020B0604020202020204" pitchFamily="34" charset="0"/>
               </a:rPr>
-              <a:t>Naveen Kumar Upadhyay, </a:t>
-            </a:r>
-            <a:r>
-              <a:rPr lang="en-US" sz="1800" dirty="0" err="1">
-                <a:effectLst/>
-                <a:latin typeface="Arial" panose="020B0604020202020204" pitchFamily="34" charset="0"/>
-                <a:ea typeface="Arial" panose="020B0604020202020204" pitchFamily="34" charset="0"/>
-              </a:rPr>
-              <a:t>Sunava</a:t>
-            </a:r>
-            <a:r>
-              <a:rPr lang="en-US" sz="1800" dirty="0">
-                <a:effectLst/>
-                <a:latin typeface="Arial" panose="020B0604020202020204" pitchFamily="34" charset="0"/>
-                <a:ea typeface="Arial" panose="020B0604020202020204" pitchFamily="34" charset="0"/>
-              </a:rPr>
-              <a:t> </a:t>
-            </a:r>
-            <a:r>
-              <a:rPr lang="en-US" sz="1800" dirty="0" err="1">
-                <a:effectLst/>
-                <a:latin typeface="Arial" panose="020B0604020202020204" pitchFamily="34" charset="0"/>
-                <a:ea typeface="Arial" panose="020B0604020202020204" pitchFamily="34" charset="0"/>
-              </a:rPr>
-              <a:t>Neogy</a:t>
-            </a:r>
-            <a:r>
-              <a:rPr lang="en-US" sz="1800" dirty="0">
-                <a:effectLst/>
-                <a:latin typeface="Arial" panose="020B0604020202020204" pitchFamily="34" charset="0"/>
-                <a:ea typeface="Arial" panose="020B0604020202020204" pitchFamily="34" charset="0"/>
-              </a:rPr>
-              <a:t>, </a:t>
+              <a:t>Naveen Kumar Upadhyay &amp; Sunava Neogy</a:t>
             </a:r>
             <a:endParaRPr lang="en-US" dirty="0"/>
           </a:p>
@@ -6155,7 +6341,12 @@
             <p:ph type="title"/>
           </p:nvPr>
         </p:nvSpPr>
-        <p:spPr/>
+        <p:spPr>
+          <a:xfrm>
+            <a:off x="1295402" y="779930"/>
+            <a:ext cx="9601196" cy="1303867"/>
+          </a:xfrm>
+        </p:spPr>
         <p:txBody>
           <a:bodyPr/>
           <a:lstStyle/>
@@ -6194,8 +6385,8 @@
         </p:nvSpPr>
         <p:spPr>
           <a:xfrm>
-            <a:off x="873458" y="2560320"/>
-            <a:ext cx="5137200" cy="3506110"/>
+            <a:off x="873075" y="2498847"/>
+            <a:ext cx="5308649" cy="3579223"/>
           </a:xfrm>
         </p:spPr>
         <p:txBody>
@@ -6215,19 +6406,12 @@
             </a:pPr>
             <a:r>
               <a:rPr lang="en-IN" sz="1200" b="1" kern="100" dirty="0">
-                <a:effectLst/>
-                <a:latin typeface="Calibri" panose="020F0502020204030204" pitchFamily="34" charset="0"/>
-                <a:ea typeface="Calibri" panose="020F0502020204030204" pitchFamily="34" charset="0"/>
-                <a:cs typeface="Times New Roman" panose="02020603050405020304" pitchFamily="18" charset="0"/>
-              </a:rPr>
-              <a:t>Random Forest</a:t>
-            </a:r>
-            <a:endParaRPr lang="en-IN" sz="1200" kern="100" dirty="0">
-              <a:effectLst/>
-              <a:latin typeface="Calibri" panose="020F0502020204030204" pitchFamily="34" charset="0"/>
-              <a:ea typeface="Calibri" panose="020F0502020204030204" pitchFamily="34" charset="0"/>
-              <a:cs typeface="Times New Roman" panose="02020603050405020304" pitchFamily="18" charset="0"/>
-            </a:endParaRPr>
+                <a:latin typeface="Calibri" panose="020F0502020204030204" pitchFamily="34" charset="0"/>
+                <a:ea typeface="Calibri" panose="020F0502020204030204" pitchFamily="34" charset="0"/>
+                <a:cs typeface="Times New Roman" panose="02020603050405020304" pitchFamily="18" charset="0"/>
+              </a:rPr>
+              <a:t>Random Forest:</a:t>
+            </a:r>
           </a:p>
           <a:p>
             <a:pPr marL="342900" lvl="0" indent="-342900">
@@ -6245,22 +6429,12 @@
               </a:tabLst>
             </a:pPr>
             <a:r>
-              <a:rPr lang="en-IN" sz="1200" b="1" kern="100" dirty="0">
-                <a:effectLst/>
-                <a:latin typeface="Calibri" panose="020F0502020204030204" pitchFamily="34" charset="0"/>
-                <a:ea typeface="Calibri" panose="020F0502020204030204" pitchFamily="34" charset="0"/>
-                <a:cs typeface="Times New Roman" panose="02020603050405020304" pitchFamily="18" charset="0"/>
-              </a:rPr>
-              <a:t>Feature Importance:</a:t>
-            </a:r>
-            <a:r>
               <a:rPr lang="en-IN" sz="1200" kern="100" dirty="0">
-                <a:effectLst/>
-                <a:latin typeface="Calibri" panose="020F0502020204030204" pitchFamily="34" charset="0"/>
-                <a:ea typeface="Calibri" panose="020F0502020204030204" pitchFamily="34" charset="0"/>
-                <a:cs typeface="Times New Roman" panose="02020603050405020304" pitchFamily="18" charset="0"/>
-              </a:rPr>
-              <a:t> The importance scores of each feature were obtained, and the top features were selected for model training.</a:t>
+                <a:latin typeface="Calibri" panose="020F0502020204030204" pitchFamily="34" charset="0"/>
+                <a:ea typeface="Calibri" panose="020F0502020204030204" pitchFamily="34" charset="0"/>
+                <a:cs typeface="Times New Roman" panose="02020603050405020304" pitchFamily="18" charset="0"/>
+              </a:rPr>
+              <a:t>Feature Importance: The importance scores of each feature were obtained, and the top features were selected for model training.</a:t>
             </a:r>
           </a:p>
           <a:p>
@@ -6279,22 +6453,12 @@
               </a:tabLst>
             </a:pPr>
             <a:r>
-              <a:rPr lang="en-IN" sz="1200" b="1" kern="100" dirty="0">
-                <a:effectLst/>
-                <a:latin typeface="Calibri" panose="020F0502020204030204" pitchFamily="34" charset="0"/>
-                <a:ea typeface="Calibri" panose="020F0502020204030204" pitchFamily="34" charset="0"/>
-                <a:cs typeface="Times New Roman" panose="02020603050405020304" pitchFamily="18" charset="0"/>
-              </a:rPr>
-              <a:t>Model Evaluation:</a:t>
-            </a:r>
-            <a:r>
               <a:rPr lang="en-IN" sz="1200" kern="100" dirty="0">
-                <a:effectLst/>
-                <a:latin typeface="Calibri" panose="020F0502020204030204" pitchFamily="34" charset="0"/>
-                <a:ea typeface="Calibri" panose="020F0502020204030204" pitchFamily="34" charset="0"/>
-                <a:cs typeface="Times New Roman" panose="02020603050405020304" pitchFamily="18" charset="0"/>
-              </a:rPr>
-              <a:t> The random forest model was trained, and its performance was evaluated using various metrics on the training data.</a:t>
+                <a:latin typeface="Calibri" panose="020F0502020204030204" pitchFamily="34" charset="0"/>
+                <a:ea typeface="Calibri" panose="020F0502020204030204" pitchFamily="34" charset="0"/>
+                <a:cs typeface="Times New Roman" panose="02020603050405020304" pitchFamily="18" charset="0"/>
+              </a:rPr>
+              <a:t>Model Evaluation: The random forest model was trained, and its performance was evaluated using various metrics on the training data.</a:t>
             </a:r>
           </a:p>
           <a:p>
@@ -6313,22 +6477,12 @@
               </a:tabLst>
             </a:pPr>
             <a:r>
-              <a:rPr lang="en-IN" sz="1200" b="1" kern="100" dirty="0">
-                <a:effectLst/>
-                <a:latin typeface="Calibri" panose="020F0502020204030204" pitchFamily="34" charset="0"/>
-                <a:ea typeface="Calibri" panose="020F0502020204030204" pitchFamily="34" charset="0"/>
-                <a:cs typeface="Times New Roman" panose="02020603050405020304" pitchFamily="18" charset="0"/>
-              </a:rPr>
-              <a:t>Cross-Validation:</a:t>
-            </a:r>
-            <a:r>
               <a:rPr lang="en-IN" sz="1200" kern="100" dirty="0">
-                <a:effectLst/>
-                <a:latin typeface="Calibri" panose="020F0502020204030204" pitchFamily="34" charset="0"/>
-                <a:ea typeface="Calibri" panose="020F0502020204030204" pitchFamily="34" charset="0"/>
-                <a:cs typeface="Times New Roman" panose="02020603050405020304" pitchFamily="18" charset="0"/>
-              </a:rPr>
-              <a:t> Cross-validation was performed to assess the model's generalization ability and prevent overfitting.</a:t>
+                <a:latin typeface="Calibri" panose="020F0502020204030204" pitchFamily="34" charset="0"/>
+                <a:ea typeface="Calibri" panose="020F0502020204030204" pitchFamily="34" charset="0"/>
+                <a:cs typeface="Times New Roman" panose="02020603050405020304" pitchFamily="18" charset="0"/>
+              </a:rPr>
+              <a:t>Cross-Validation: Cross-validation was performed to assess the model's generalization ability and prevent overfitting.</a:t>
             </a:r>
           </a:p>
           <a:p>
@@ -6347,70 +6501,48 @@
               </a:tabLst>
             </a:pPr>
             <a:r>
+              <a:rPr lang="en-IN" sz="1200" kern="100" dirty="0">
+                <a:latin typeface="Calibri" panose="020F0502020204030204" pitchFamily="34" charset="0"/>
+                <a:ea typeface="Calibri" panose="020F0502020204030204" pitchFamily="34" charset="0"/>
+                <a:cs typeface="Times New Roman" panose="02020603050405020304" pitchFamily="18" charset="0"/>
+              </a:rPr>
+              <a:t>Hyperparameter Tuning (Grid Search): Grid search was used to find the optimal hyperparameter values for the model, further improving its performance.</a:t>
+            </a:r>
+          </a:p>
+          <a:p>
+            <a:pPr>
+              <a:buNone/>
+            </a:pPr>
+            <a:r>
+              <a:rPr lang="en-IN" sz="1200" kern="100" dirty="0">
+                <a:latin typeface="Calibri" panose="020F0502020204030204" pitchFamily="34" charset="0"/>
+                <a:ea typeface="Calibri" panose="020F0502020204030204" pitchFamily="34" charset="0"/>
+                <a:cs typeface="Times New Roman" panose="02020603050405020304" pitchFamily="18" charset="0"/>
+              </a:rPr>
+              <a:t>         </a:t>
+            </a:r>
+            <a:r>
               <a:rPr lang="en-IN" sz="1200" b="1" kern="100" dirty="0">
-                <a:effectLst/>
-                <a:latin typeface="Calibri" panose="020F0502020204030204" pitchFamily="34" charset="0"/>
-                <a:ea typeface="Calibri" panose="020F0502020204030204" pitchFamily="34" charset="0"/>
-                <a:cs typeface="Times New Roman" panose="02020603050405020304" pitchFamily="18" charset="0"/>
-              </a:rPr>
-              <a:t>Hyperparameter Tuning (Grid Search):</a:t>
-            </a:r>
+                <a:latin typeface="Calibri" panose="020F0502020204030204" pitchFamily="34" charset="0"/>
+                <a:ea typeface="Calibri" panose="020F0502020204030204" pitchFamily="34" charset="0"/>
+                <a:cs typeface="Times New Roman" panose="02020603050405020304" pitchFamily="18" charset="0"/>
+              </a:rPr>
+              <a:t>Final Model &amp; Evaluation: </a:t>
+            </a:r>
+          </a:p>
+          <a:p>
+            <a:pPr>
+              <a:buNone/>
+            </a:pPr>
             <a:r>
               <a:rPr lang="en-IN" sz="1200" kern="100" dirty="0">
-                <a:effectLst/>
-                <a:latin typeface="Calibri" panose="020F0502020204030204" pitchFamily="34" charset="0"/>
-                <a:ea typeface="Calibri" panose="020F0502020204030204" pitchFamily="34" charset="0"/>
-                <a:cs typeface="Times New Roman" panose="02020603050405020304" pitchFamily="18" charset="0"/>
-              </a:rPr>
-              <a:t> Grid search was used to find the optimal hyperparameter values for the model, further improving its performance.</a:t>
-            </a:r>
-          </a:p>
-          <a:p>
-            <a:pPr>
-              <a:buNone/>
-            </a:pPr>
-            <a:r>
-              <a:rPr lang="en-IN" sz="1200" b="1" dirty="0">
-                <a:effectLst/>
-                <a:latin typeface="Calibri" panose="020F0502020204030204" pitchFamily="34" charset="0"/>
-                <a:ea typeface="Calibri" panose="020F0502020204030204" pitchFamily="34" charset="0"/>
-                <a:cs typeface="Times New Roman" panose="02020603050405020304" pitchFamily="18" charset="0"/>
-              </a:rPr>
-              <a:t>         Final Model &amp; Evaluation:</a:t>
-            </a:r>
-            <a:r>
-              <a:rPr lang="en-IN" sz="1200" dirty="0">
-                <a:effectLst/>
-                <a:latin typeface="Calibri" panose="020F0502020204030204" pitchFamily="34" charset="0"/>
-                <a:ea typeface="Calibri" panose="020F0502020204030204" pitchFamily="34" charset="0"/>
-                <a:cs typeface="Times New Roman" panose="02020603050405020304" pitchFamily="18" charset="0"/>
-              </a:rPr>
-              <a:t> </a:t>
-            </a:r>
-          </a:p>
-          <a:p>
-            <a:pPr>
-              <a:buNone/>
-            </a:pPr>
-            <a:r>
-              <a:rPr lang="en-IN" sz="1200" dirty="0">
-                <a:latin typeface="Calibri" panose="020F0502020204030204" pitchFamily="34" charset="0"/>
-                <a:ea typeface="Calibri" panose="020F0502020204030204" pitchFamily="34" charset="0"/>
-                <a:cs typeface="Times New Roman" panose="02020603050405020304" pitchFamily="18" charset="0"/>
-              </a:rPr>
-              <a:t>        </a:t>
-            </a:r>
-            <a:r>
-              <a:rPr lang="en-IN" sz="1200" dirty="0">
-                <a:effectLst/>
-                <a:latin typeface="Calibri" panose="020F0502020204030204" pitchFamily="34" charset="0"/>
-                <a:ea typeface="Calibri" panose="020F0502020204030204" pitchFamily="34" charset="0"/>
-                <a:cs typeface="Times New Roman" panose="02020603050405020304" pitchFamily="18" charset="0"/>
-              </a:rPr>
-              <a:t>The final random forest model was trained with the best hyperparameters, and its performance was evaluated on the validation data.</a:t>
-            </a:r>
-            <a:endParaRPr lang="en-US" sz="1200" dirty="0">
-              <a:effectLst/>
+                <a:latin typeface="Calibri" panose="020F0502020204030204" pitchFamily="34" charset="0"/>
+                <a:ea typeface="Calibri" panose="020F0502020204030204" pitchFamily="34" charset="0"/>
+                <a:cs typeface="Times New Roman" panose="02020603050405020304" pitchFamily="18" charset="0"/>
+              </a:rPr>
+              <a:t>        The final random forest model was trained with the best hyperparameters, and its performance was evaluated on the validation data.</a:t>
+            </a:r>
+            <a:endParaRPr lang="en-US" sz="1200" kern="100" dirty="0">
               <a:latin typeface="Calibri" panose="020F0502020204030204" pitchFamily="34" charset="0"/>
               <a:ea typeface="Calibri" panose="020F0502020204030204" pitchFamily="34" charset="0"/>
               <a:cs typeface="Times New Roman" panose="02020603050405020304" pitchFamily="18" charset="0"/>
@@ -6442,8 +6574,8 @@
         </p:blipFill>
         <p:spPr>
           <a:xfrm>
-            <a:off x="6181725" y="2917532"/>
-            <a:ext cx="5376262" cy="2958336"/>
+            <a:off x="6249337" y="2917532"/>
+            <a:ext cx="5308650" cy="2958336"/>
           </a:xfrm>
         </p:spPr>
       </p:pic>
@@ -6493,7 +6625,12 @@
             <p:ph type="title"/>
           </p:nvPr>
         </p:nvSpPr>
-        <p:spPr/>
+        <p:spPr>
+          <a:xfrm>
+            <a:off x="1228298" y="828452"/>
+            <a:ext cx="9601196" cy="1303867"/>
+          </a:xfrm>
+        </p:spPr>
         <p:txBody>
           <a:bodyPr>
             <a:normAutofit/>
@@ -6531,13 +6668,13 @@
         </p:nvSpPr>
         <p:spPr>
           <a:xfrm>
-            <a:off x="696035" y="2470245"/>
+            <a:off x="696034" y="2454876"/>
             <a:ext cx="10665725" cy="3630304"/>
           </a:xfrm>
         </p:spPr>
         <p:txBody>
           <a:bodyPr>
-            <a:normAutofit fontScale="32500" lnSpcReduction="20000"/>
+            <a:normAutofit fontScale="25000" lnSpcReduction="20000"/>
           </a:bodyPr>
           <a:lstStyle/>
           <a:p>
@@ -6551,7 +6688,7 @@
               <a:buNone/>
             </a:pPr>
             <a:r>
-              <a:rPr lang="en-IN" sz="4300" b="1" kern="100" dirty="0">
+              <a:rPr lang="en-IN" sz="5600" b="1" kern="100" dirty="0">
                 <a:effectLst/>
                 <a:latin typeface="Calibri" panose="020F0502020204030204" pitchFamily="34" charset="0"/>
                 <a:ea typeface="Calibri" panose="020F0502020204030204" pitchFamily="34" charset="0"/>
@@ -6571,7 +6708,7 @@
               <a:buNone/>
             </a:pPr>
             <a:r>
-              <a:rPr lang="en-IN" sz="2900" kern="100" dirty="0">
+              <a:rPr lang="en-IN" sz="4400" kern="100" dirty="0">
                 <a:effectLst/>
                 <a:latin typeface="Calibri" panose="020F0502020204030204" pitchFamily="34" charset="0"/>
                 <a:ea typeface="Calibri" panose="020F0502020204030204" pitchFamily="34" charset="0"/>
@@ -6591,13 +6728,13 @@
               <a:buNone/>
             </a:pPr>
             <a:r>
-              <a:rPr lang="en-IN" sz="2900" kern="100" dirty="0">
-                <a:effectLst/>
-                <a:latin typeface="Calibri" panose="020F0502020204030204" pitchFamily="34" charset="0"/>
-                <a:ea typeface="Calibri" panose="020F0502020204030204" pitchFamily="34" charset="0"/>
-                <a:cs typeface="Times New Roman" panose="02020603050405020304" pitchFamily="18" charset="0"/>
-              </a:rPr>
-              <a:t>Cutoff Optimization: Through ROC analysis and evaluation at different probability thresholds,     we selected an optimal cutoff (~0.35) to balance sensitivity and specificity.</a:t>
+              <a:rPr lang="en-IN" sz="4400" kern="100" dirty="0">
+                <a:effectLst/>
+                <a:latin typeface="Calibri" panose="020F0502020204030204" pitchFamily="34" charset="0"/>
+                <a:ea typeface="Calibri" panose="020F0502020204030204" pitchFamily="34" charset="0"/>
+                <a:cs typeface="Times New Roman" panose="02020603050405020304" pitchFamily="18" charset="0"/>
+              </a:rPr>
+              <a:t>Cutoff Optimization: Through ROC analysis and evaluation at different probability thresholds,  we selected an optimal cutoff (~0.35) to balance sensitivity and specificity.</a:t>
             </a:r>
           </a:p>
           <a:p>
@@ -6611,7 +6748,7 @@
               <a:buNone/>
             </a:pPr>
             <a:r>
-              <a:rPr lang="en-IN" sz="2900" b="1" kern="100" dirty="0">
+              <a:rPr lang="en-IN" sz="4800" b="1" kern="100" dirty="0">
                 <a:effectLst/>
                 <a:latin typeface="Calibri" panose="020F0502020204030204" pitchFamily="34" charset="0"/>
                 <a:ea typeface="Calibri" panose="020F0502020204030204" pitchFamily="34" charset="0"/>
@@ -6620,7 +6757,7 @@
               <a:t>Random Forest:</a:t>
             </a:r>
             <a:r>
-              <a:rPr lang="en-IN" sz="2900" kern="100" dirty="0">
+              <a:rPr lang="en-IN" sz="4800" kern="100" dirty="0">
                 <a:effectLst/>
                 <a:latin typeface="Calibri" panose="020F0502020204030204" pitchFamily="34" charset="0"/>
                 <a:ea typeface="Calibri" panose="020F0502020204030204" pitchFamily="34" charset="0"/>
@@ -6640,7 +6777,7 @@
               <a:buNone/>
             </a:pPr>
             <a:r>
-              <a:rPr lang="en-IN" sz="2900" kern="100" dirty="0">
+              <a:rPr lang="en-IN" sz="4400" kern="100" dirty="0">
                 <a:effectLst/>
                 <a:latin typeface="Calibri" panose="020F0502020204030204" pitchFamily="34" charset="0"/>
                 <a:ea typeface="Calibri" panose="020F0502020204030204" pitchFamily="34" charset="0"/>
@@ -6660,7 +6797,7 @@
               <a:buNone/>
             </a:pPr>
             <a:r>
-              <a:rPr lang="en-IN" sz="2900" kern="100" dirty="0">
+              <a:rPr lang="en-IN" sz="4400" kern="100" dirty="0">
                 <a:effectLst/>
                 <a:latin typeface="Calibri" panose="020F0502020204030204" pitchFamily="34" charset="0"/>
                 <a:ea typeface="Calibri" panose="020F0502020204030204" pitchFamily="34" charset="0"/>
@@ -6668,6 +6805,131 @@
               </a:rPr>
               <a:t>Feature Importance: Identified key variables contributing to fraud detection, such as:</a:t>
             </a:r>
+          </a:p>
+          <a:p>
+            <a:pPr marL="628650" indent="-457200">
+              <a:lnSpc>
+                <a:spcPct val="107000"/>
+              </a:lnSpc>
+              <a:spcAft>
+                <a:spcPts val="800"/>
+              </a:spcAft>
+            </a:pPr>
+            <a:r>
+              <a:rPr lang="en-IN" sz="4400" kern="100" dirty="0" err="1">
+                <a:effectLst/>
+                <a:latin typeface="Calibri" panose="020F0502020204030204" pitchFamily="34" charset="0"/>
+                <a:ea typeface="Calibri" panose="020F0502020204030204" pitchFamily="34" charset="0"/>
+                <a:cs typeface="Times New Roman" panose="02020603050405020304" pitchFamily="18" charset="0"/>
+              </a:rPr>
+              <a:t>incident_severity</a:t>
+            </a:r>
+            <a:endParaRPr lang="en-IN" sz="4400" kern="100" dirty="0">
+              <a:effectLst/>
+              <a:latin typeface="Calibri" panose="020F0502020204030204" pitchFamily="34" charset="0"/>
+              <a:ea typeface="Calibri" panose="020F0502020204030204" pitchFamily="34" charset="0"/>
+              <a:cs typeface="Times New Roman" panose="02020603050405020304" pitchFamily="18" charset="0"/>
+            </a:endParaRPr>
+          </a:p>
+          <a:p>
+            <a:pPr marL="628650" indent="-457200">
+              <a:lnSpc>
+                <a:spcPct val="107000"/>
+              </a:lnSpc>
+              <a:spcAft>
+                <a:spcPts val="800"/>
+              </a:spcAft>
+            </a:pPr>
+            <a:r>
+              <a:rPr lang="en-IN" sz="4400" kern="100" dirty="0" err="1">
+                <a:effectLst/>
+                <a:latin typeface="Calibri" panose="020F0502020204030204" pitchFamily="34" charset="0"/>
+                <a:ea typeface="Calibri" panose="020F0502020204030204" pitchFamily="34" charset="0"/>
+                <a:cs typeface="Times New Roman" panose="02020603050405020304" pitchFamily="18" charset="0"/>
+              </a:rPr>
+              <a:t>insured_occupation</a:t>
+            </a:r>
+            <a:endParaRPr lang="en-IN" sz="4400" kern="100" dirty="0">
+              <a:effectLst/>
+              <a:latin typeface="Calibri" panose="020F0502020204030204" pitchFamily="34" charset="0"/>
+              <a:ea typeface="Calibri" panose="020F0502020204030204" pitchFamily="34" charset="0"/>
+              <a:cs typeface="Times New Roman" panose="02020603050405020304" pitchFamily="18" charset="0"/>
+            </a:endParaRPr>
+          </a:p>
+          <a:p>
+            <a:pPr marL="628650" indent="-457200">
+              <a:lnSpc>
+                <a:spcPct val="107000"/>
+              </a:lnSpc>
+              <a:spcAft>
+                <a:spcPts val="800"/>
+              </a:spcAft>
+            </a:pPr>
+            <a:r>
+              <a:rPr lang="en-IN" sz="4400" kern="100" dirty="0" err="1">
+                <a:effectLst/>
+                <a:latin typeface="Calibri" panose="020F0502020204030204" pitchFamily="34" charset="0"/>
+                <a:ea typeface="Calibri" panose="020F0502020204030204" pitchFamily="34" charset="0"/>
+                <a:cs typeface="Times New Roman" panose="02020603050405020304" pitchFamily="18" charset="0"/>
+              </a:rPr>
+              <a:t>auto_model</a:t>
+            </a:r>
+            <a:endParaRPr lang="en-IN" sz="4400" kern="100" dirty="0">
+              <a:effectLst/>
+              <a:latin typeface="Calibri" panose="020F0502020204030204" pitchFamily="34" charset="0"/>
+              <a:ea typeface="Calibri" panose="020F0502020204030204" pitchFamily="34" charset="0"/>
+              <a:cs typeface="Times New Roman" panose="02020603050405020304" pitchFamily="18" charset="0"/>
+            </a:endParaRPr>
+          </a:p>
+          <a:p>
+            <a:pPr marL="628650" indent="-457200">
+              <a:lnSpc>
+                <a:spcPct val="107000"/>
+              </a:lnSpc>
+              <a:spcAft>
+                <a:spcPts val="800"/>
+              </a:spcAft>
+            </a:pPr>
+            <a:r>
+              <a:rPr lang="en-IN" sz="4400" kern="100" dirty="0" err="1">
+                <a:effectLst/>
+                <a:latin typeface="Calibri" panose="020F0502020204030204" pitchFamily="34" charset="0"/>
+                <a:ea typeface="Calibri" panose="020F0502020204030204" pitchFamily="34" charset="0"/>
+                <a:cs typeface="Times New Roman" panose="02020603050405020304" pitchFamily="18" charset="0"/>
+              </a:rPr>
+              <a:t>insured_education_level</a:t>
+            </a:r>
+            <a:endParaRPr lang="en-IN" sz="4400" kern="100" dirty="0">
+              <a:effectLst/>
+              <a:latin typeface="Calibri" panose="020F0502020204030204" pitchFamily="34" charset="0"/>
+              <a:ea typeface="Calibri" panose="020F0502020204030204" pitchFamily="34" charset="0"/>
+              <a:cs typeface="Times New Roman" panose="02020603050405020304" pitchFamily="18" charset="0"/>
+            </a:endParaRPr>
+          </a:p>
+          <a:p>
+            <a:pPr marL="628650" indent="-457200">
+              <a:lnSpc>
+                <a:spcPct val="107000"/>
+              </a:lnSpc>
+              <a:spcAft>
+                <a:spcPts val="800"/>
+              </a:spcAft>
+            </a:pPr>
+            <a:r>
+              <a:rPr lang="en-IN" sz="4400" kern="100" dirty="0" err="1">
+                <a:effectLst/>
+                <a:latin typeface="Calibri" panose="020F0502020204030204" pitchFamily="34" charset="0"/>
+                <a:ea typeface="Calibri" panose="020F0502020204030204" pitchFamily="34" charset="0"/>
+                <a:cs typeface="Times New Roman" panose="02020603050405020304" pitchFamily="18" charset="0"/>
+              </a:rPr>
+              <a:t>insured_hobbies</a:t>
+            </a:r>
+            <a:endParaRPr lang="en-IN" sz="4400" kern="100" dirty="0">
+              <a:effectLst/>
+              <a:latin typeface="Calibri" panose="020F0502020204030204" pitchFamily="34" charset="0"/>
+              <a:ea typeface="Calibri" panose="020F0502020204030204" pitchFamily="34" charset="0"/>
+              <a:cs typeface="Times New Roman" panose="02020603050405020304" pitchFamily="18" charset="0"/>
+            </a:endParaRPr>
           </a:p>
           <a:p>
             <a:pPr marL="457200">
@@ -6680,143 +6942,22 @@
               <a:buNone/>
             </a:pPr>
             <a:r>
-              <a:rPr lang="en-IN" sz="2900" kern="100" dirty="0" err="1">
-                <a:effectLst/>
-                <a:latin typeface="Calibri" panose="020F0502020204030204" pitchFamily="34" charset="0"/>
-                <a:ea typeface="Calibri" panose="020F0502020204030204" pitchFamily="34" charset="0"/>
-                <a:cs typeface="Times New Roman" panose="02020603050405020304" pitchFamily="18" charset="0"/>
-              </a:rPr>
-              <a:t>incident_severity</a:t>
-            </a:r>
-            <a:endParaRPr lang="en-IN" sz="2900" kern="100" dirty="0">
-              <a:effectLst/>
-              <a:latin typeface="Calibri" panose="020F0502020204030204" pitchFamily="34" charset="0"/>
-              <a:ea typeface="Calibri" panose="020F0502020204030204" pitchFamily="34" charset="0"/>
-              <a:cs typeface="Times New Roman" panose="02020603050405020304" pitchFamily="18" charset="0"/>
-            </a:endParaRPr>
-          </a:p>
-          <a:p>
-            <a:pPr marL="457200">
-              <a:lnSpc>
-                <a:spcPct val="107000"/>
-              </a:lnSpc>
-              <a:spcAft>
-                <a:spcPts val="800"/>
-              </a:spcAft>
-              <a:buNone/>
-            </a:pPr>
-            <a:r>
-              <a:rPr lang="en-IN" sz="2900" kern="100" dirty="0" err="1">
-                <a:effectLst/>
-                <a:latin typeface="Calibri" panose="020F0502020204030204" pitchFamily="34" charset="0"/>
-                <a:ea typeface="Calibri" panose="020F0502020204030204" pitchFamily="34" charset="0"/>
-                <a:cs typeface="Times New Roman" panose="02020603050405020304" pitchFamily="18" charset="0"/>
-              </a:rPr>
-              <a:t>insured_occupation</a:t>
-            </a:r>
-            <a:endParaRPr lang="en-IN" sz="2900" kern="100" dirty="0">
-              <a:effectLst/>
-              <a:latin typeface="Calibri" panose="020F0502020204030204" pitchFamily="34" charset="0"/>
-              <a:ea typeface="Calibri" panose="020F0502020204030204" pitchFamily="34" charset="0"/>
-              <a:cs typeface="Times New Roman" panose="02020603050405020304" pitchFamily="18" charset="0"/>
-            </a:endParaRPr>
-          </a:p>
-          <a:p>
-            <a:pPr marL="457200">
-              <a:lnSpc>
-                <a:spcPct val="107000"/>
-              </a:lnSpc>
-              <a:spcAft>
-                <a:spcPts val="800"/>
-              </a:spcAft>
-              <a:buNone/>
-            </a:pPr>
-            <a:r>
-              <a:rPr lang="en-IN" sz="2900" kern="100" dirty="0" err="1">
-                <a:effectLst/>
-                <a:latin typeface="Calibri" panose="020F0502020204030204" pitchFamily="34" charset="0"/>
-                <a:ea typeface="Calibri" panose="020F0502020204030204" pitchFamily="34" charset="0"/>
-                <a:cs typeface="Times New Roman" panose="02020603050405020304" pitchFamily="18" charset="0"/>
-              </a:rPr>
-              <a:t>auto_model</a:t>
-            </a:r>
-            <a:endParaRPr lang="en-IN" sz="2900" kern="100" dirty="0">
-              <a:effectLst/>
-              <a:latin typeface="Calibri" panose="020F0502020204030204" pitchFamily="34" charset="0"/>
-              <a:ea typeface="Calibri" panose="020F0502020204030204" pitchFamily="34" charset="0"/>
-              <a:cs typeface="Times New Roman" panose="02020603050405020304" pitchFamily="18" charset="0"/>
-            </a:endParaRPr>
-          </a:p>
-          <a:p>
-            <a:pPr marL="457200">
-              <a:lnSpc>
-                <a:spcPct val="107000"/>
-              </a:lnSpc>
-              <a:spcAft>
-                <a:spcPts val="800"/>
-              </a:spcAft>
-              <a:buNone/>
-            </a:pPr>
-            <a:r>
-              <a:rPr lang="en-IN" sz="2900" kern="100" dirty="0" err="1">
-                <a:effectLst/>
-                <a:latin typeface="Calibri" panose="020F0502020204030204" pitchFamily="34" charset="0"/>
-                <a:ea typeface="Calibri" panose="020F0502020204030204" pitchFamily="34" charset="0"/>
-                <a:cs typeface="Times New Roman" panose="02020603050405020304" pitchFamily="18" charset="0"/>
-              </a:rPr>
-              <a:t>insured_education_level</a:t>
-            </a:r>
-            <a:endParaRPr lang="en-IN" sz="2900" kern="100" dirty="0">
-              <a:effectLst/>
-              <a:latin typeface="Calibri" panose="020F0502020204030204" pitchFamily="34" charset="0"/>
-              <a:ea typeface="Calibri" panose="020F0502020204030204" pitchFamily="34" charset="0"/>
-              <a:cs typeface="Times New Roman" panose="02020603050405020304" pitchFamily="18" charset="0"/>
-            </a:endParaRPr>
-          </a:p>
-          <a:p>
-            <a:pPr marL="457200">
-              <a:lnSpc>
-                <a:spcPct val="107000"/>
-              </a:lnSpc>
-              <a:spcAft>
-                <a:spcPts val="800"/>
-              </a:spcAft>
-              <a:buNone/>
-            </a:pPr>
-            <a:r>
-              <a:rPr lang="en-IN" sz="2900" kern="100" dirty="0" err="1">
-                <a:effectLst/>
-                <a:latin typeface="Calibri" panose="020F0502020204030204" pitchFamily="34" charset="0"/>
-                <a:ea typeface="Calibri" panose="020F0502020204030204" pitchFamily="34" charset="0"/>
-                <a:cs typeface="Times New Roman" panose="02020603050405020304" pitchFamily="18" charset="0"/>
-              </a:rPr>
-              <a:t>insured_hobbies</a:t>
-            </a:r>
-            <a:endParaRPr lang="en-IN" sz="2900" kern="100" dirty="0">
-              <a:effectLst/>
-              <a:latin typeface="Calibri" panose="020F0502020204030204" pitchFamily="34" charset="0"/>
-              <a:ea typeface="Calibri" panose="020F0502020204030204" pitchFamily="34" charset="0"/>
-              <a:cs typeface="Times New Roman" panose="02020603050405020304" pitchFamily="18" charset="0"/>
-            </a:endParaRPr>
-          </a:p>
-          <a:p>
-            <a:pPr marL="457200">
-              <a:lnSpc>
-                <a:spcPct val="107000"/>
-              </a:lnSpc>
-              <a:spcAft>
-                <a:spcPts val="800"/>
-              </a:spcAft>
-              <a:buNone/>
-            </a:pPr>
-            <a:r>
-              <a:rPr lang="en-IN" sz="2900" kern="100" dirty="0">
-                <a:effectLst/>
-                <a:latin typeface="Calibri" panose="020F0502020204030204" pitchFamily="34" charset="0"/>
-                <a:ea typeface="Calibri" panose="020F0502020204030204" pitchFamily="34" charset="0"/>
-                <a:cs typeface="Times New Roman" panose="02020603050405020304" pitchFamily="18" charset="0"/>
-              </a:rPr>
-              <a:t>Hyperparameter Tuning: Grid search improved model performance further.</a:t>
+              <a:rPr lang="en-IN" sz="4400" b="1" kern="100" dirty="0">
+                <a:effectLst/>
+                <a:latin typeface="Calibri" panose="020F0502020204030204" pitchFamily="34" charset="0"/>
+                <a:ea typeface="Calibri" panose="020F0502020204030204" pitchFamily="34" charset="0"/>
+                <a:cs typeface="Times New Roman" panose="02020603050405020304" pitchFamily="18" charset="0"/>
+              </a:rPr>
+              <a:t>Hyperparameter Tuning: </a:t>
+            </a:r>
+            <a:r>
+              <a:rPr lang="en-IN" sz="4400" kern="100" dirty="0">
+                <a:effectLst/>
+                <a:latin typeface="Calibri" panose="020F0502020204030204" pitchFamily="34" charset="0"/>
+                <a:ea typeface="Calibri" panose="020F0502020204030204" pitchFamily="34" charset="0"/>
+                <a:cs typeface="Times New Roman" panose="02020603050405020304" pitchFamily="18" charset="0"/>
+              </a:rPr>
+              <a:t>Grid search improved model performance further.</a:t>
             </a:r>
           </a:p>
           <a:p>
@@ -6830,7 +6971,7 @@
               <a:buNone/>
             </a:pPr>
             <a:r>
-              <a:rPr lang="en-IN" sz="2900" kern="100" dirty="0">
+              <a:rPr lang="en-IN" sz="4400" kern="100" dirty="0">
                 <a:effectLst/>
                 <a:latin typeface="Calibri" panose="020F0502020204030204" pitchFamily="34" charset="0"/>
                 <a:ea typeface="Calibri" panose="020F0502020204030204" pitchFamily="34" charset="0"/>
@@ -7036,7 +7177,7 @@
                 <a:ea typeface="Calibri" panose="020F0502020204030204" pitchFamily="34" charset="0"/>
                 <a:cs typeface="Times New Roman" panose="02020603050405020304" pitchFamily="18" charset="0"/>
               </a:rPr>
-              <a:t>Integrate the model into the claims approval workflow.</a:t>
+              <a:t>Integrate the model into the claim's approval workflow.</a:t>
             </a:r>
           </a:p>
           <a:p>
@@ -7179,13 +7320,13 @@
         </p:nvSpPr>
         <p:spPr>
           <a:xfrm>
-            <a:off x="1295401" y="2565779"/>
-            <a:ext cx="9370323" cy="3589361"/>
+            <a:off x="883665" y="2565779"/>
+            <a:ext cx="10327340" cy="3589361"/>
           </a:xfrm>
         </p:spPr>
         <p:txBody>
           <a:bodyPr>
-            <a:normAutofit lnSpcReduction="10000"/>
+            <a:normAutofit/>
           </a:bodyPr>
           <a:lstStyle/>
           <a:p>
@@ -7366,7 +7507,12 @@
             <p:ph idx="1"/>
           </p:nvPr>
         </p:nvSpPr>
-        <p:spPr/>
+        <p:spPr>
+          <a:xfrm>
+            <a:off x="860612" y="2556932"/>
+            <a:ext cx="10534810" cy="3318936"/>
+          </a:xfrm>
+        </p:spPr>
         <p:txBody>
           <a:bodyPr>
             <a:normAutofit lnSpcReduction="10000"/>
@@ -7693,8 +7839,8 @@
         </p:nvSpPr>
         <p:spPr>
           <a:xfrm>
-            <a:off x="1295401" y="2556931"/>
-            <a:ext cx="9718342" cy="3468555"/>
+            <a:off x="991240" y="2556931"/>
+            <a:ext cx="10273553" cy="3468555"/>
           </a:xfrm>
         </p:spPr>
         <p:txBody>
@@ -8082,10 +8228,15 @@
             <p:ph idx="1"/>
           </p:nvPr>
         </p:nvSpPr>
-        <p:spPr/>
+        <p:spPr>
+          <a:xfrm>
+            <a:off x="845244" y="2556931"/>
+            <a:ext cx="10580914" cy="3613347"/>
+          </a:xfrm>
+        </p:spPr>
         <p:txBody>
           <a:bodyPr>
-            <a:normAutofit fontScale="85000" lnSpcReduction="20000"/>
+            <a:normAutofit fontScale="92500" lnSpcReduction="20000"/>
           </a:bodyPr>
           <a:lstStyle/>
           <a:p>
@@ -8423,7 +8574,12 @@
             <p:ph idx="1"/>
           </p:nvPr>
         </p:nvSpPr>
-        <p:spPr/>
+        <p:spPr>
+          <a:xfrm>
+            <a:off x="906716" y="2389734"/>
+            <a:ext cx="10342709" cy="3486134"/>
+          </a:xfrm>
+        </p:spPr>
         <p:txBody>
           <a:bodyPr/>
           <a:lstStyle/>
@@ -8632,8 +8788,8 @@
         </p:nvSpPr>
         <p:spPr>
           <a:xfrm>
-            <a:off x="948519" y="2463420"/>
-            <a:ext cx="10501953" cy="3405117"/>
+            <a:off x="714615" y="2543415"/>
+            <a:ext cx="10743541" cy="3526972"/>
           </a:xfrm>
         </p:spPr>
         <p:txBody>
@@ -9036,20 +9192,20 @@
         </p:nvSpPr>
         <p:spPr>
           <a:xfrm>
-            <a:off x="614149" y="2442949"/>
-            <a:ext cx="10282448" cy="3432919"/>
+            <a:off x="799139" y="2442949"/>
+            <a:ext cx="10542495" cy="3627438"/>
           </a:xfrm>
         </p:spPr>
         <p:txBody>
           <a:bodyPr>
-            <a:normAutofit fontScale="55000" lnSpcReduction="20000"/>
+            <a:normAutofit fontScale="47500" lnSpcReduction="20000"/>
           </a:bodyPr>
           <a:lstStyle/>
           <a:p>
             <a:pPr marL="0" indent="0" algn="l">
               <a:buNone/>
             </a:pPr>
-            <a:endParaRPr lang="en-US" sz="1800" b="0" i="0" u="none" strike="noStrike" baseline="0" dirty="0">
+            <a:endParaRPr lang="en-US" sz="2900" b="0" i="0" u="none" strike="noStrike" baseline="0" dirty="0">
               <a:solidFill>
                 <a:srgbClr val="000000"/>
               </a:solidFill>
@@ -9067,7 +9223,7 @@
               <a:buNone/>
             </a:pPr>
             <a:r>
-              <a:rPr lang="en-US" sz="1800" b="0" i="0" u="none" strike="noStrike" baseline="0" dirty="0">
+              <a:rPr lang="en-US" sz="2900" b="0" i="0" u="none" strike="noStrike" baseline="0" dirty="0">
                 <a:solidFill>
                   <a:srgbClr val="000000"/>
                 </a:solidFill>
@@ -9076,7 +9232,7 @@
               <a:t> </a:t>
             </a:r>
             <a:r>
-              <a:rPr lang="en-IN" sz="2200" b="1" kern="100" dirty="0">
+              <a:rPr lang="en-IN" sz="2900" b="1" kern="100" dirty="0">
                 <a:effectLst/>
                 <a:latin typeface="Calibri" panose="020F0502020204030204" pitchFamily="34" charset="0"/>
                 <a:ea typeface="Calibri" panose="020F0502020204030204" pitchFamily="34" charset="0"/>
@@ -9084,7 +9240,7 @@
               </a:rPr>
               <a:t>Handling Redundant Columns</a:t>
             </a:r>
-            <a:endParaRPr lang="en-IN" sz="2200" kern="100" dirty="0">
+            <a:endParaRPr lang="en-IN" sz="2900" kern="100" dirty="0">
               <a:effectLst/>
               <a:latin typeface="Calibri" panose="020F0502020204030204" pitchFamily="34" charset="0"/>
               <a:ea typeface="Calibri" panose="020F0502020204030204" pitchFamily="34" charset="0"/>
@@ -9107,7 +9263,7 @@
               </a:tabLst>
             </a:pPr>
             <a:r>
-              <a:rPr lang="en-IN" sz="2200" kern="100" dirty="0">
+              <a:rPr lang="en-IN" sz="2900" kern="100" dirty="0">
                 <a:effectLst/>
                 <a:latin typeface="Calibri" panose="020F0502020204030204" pitchFamily="34" charset="0"/>
                 <a:ea typeface="Calibri" panose="020F0502020204030204" pitchFamily="34" charset="0"/>
@@ -9131,7 +9287,7 @@
               </a:tabLst>
             </a:pPr>
             <a:r>
-              <a:rPr lang="en-IN" sz="2200" b="1" kern="100" dirty="0">
+              <a:rPr lang="en-IN" sz="2900" b="1" kern="100" dirty="0">
                 <a:effectLst/>
                 <a:latin typeface="Calibri" panose="020F0502020204030204" pitchFamily="34" charset="0"/>
                 <a:ea typeface="Calibri" panose="020F0502020204030204" pitchFamily="34" charset="0"/>
@@ -9139,7 +9295,7 @@
               </a:rPr>
               <a:t>Combining Values in Categorical Columns</a:t>
             </a:r>
-            <a:endParaRPr lang="en-IN" sz="2200" kern="100" dirty="0">
+            <a:endParaRPr lang="en-IN" sz="2900" kern="100" dirty="0">
               <a:effectLst/>
               <a:latin typeface="Calibri" panose="020F0502020204030204" pitchFamily="34" charset="0"/>
               <a:ea typeface="Calibri" panose="020F0502020204030204" pitchFamily="34" charset="0"/>
@@ -9162,7 +9318,7 @@
               </a:tabLst>
             </a:pPr>
             <a:r>
-              <a:rPr lang="en-IN" sz="2200" kern="100" dirty="0">
+              <a:rPr lang="en-IN" sz="2900" kern="100" dirty="0">
                 <a:effectLst/>
                 <a:latin typeface="Calibri" panose="020F0502020204030204" pitchFamily="34" charset="0"/>
                 <a:ea typeface="Calibri" panose="020F0502020204030204" pitchFamily="34" charset="0"/>
@@ -9182,7 +9338,7 @@
               <a:buNone/>
             </a:pPr>
             <a:r>
-              <a:rPr lang="en-IN" sz="2200" b="1" kern="100" dirty="0">
+              <a:rPr lang="en-IN" sz="2900" b="1" kern="100" dirty="0">
                 <a:effectLst/>
                 <a:latin typeface="Calibri" panose="020F0502020204030204" pitchFamily="34" charset="0"/>
                 <a:ea typeface="Calibri" panose="020F0502020204030204" pitchFamily="34" charset="0"/>
@@ -9190,7 +9346,7 @@
               </a:rPr>
               <a:t> Dummy Variable Creation</a:t>
             </a:r>
-            <a:endParaRPr lang="en-IN" sz="2200" kern="100" dirty="0">
+            <a:endParaRPr lang="en-IN" sz="2900" kern="100" dirty="0">
               <a:effectLst/>
               <a:latin typeface="Calibri" panose="020F0502020204030204" pitchFamily="34" charset="0"/>
               <a:ea typeface="Calibri" panose="020F0502020204030204" pitchFamily="34" charset="0"/>
@@ -9213,7 +9369,7 @@
               </a:tabLst>
             </a:pPr>
             <a:r>
-              <a:rPr lang="en-IN" sz="2200" kern="100" dirty="0">
+              <a:rPr lang="en-IN" sz="2900" kern="100" dirty="0">
                 <a:effectLst/>
                 <a:latin typeface="Calibri" panose="020F0502020204030204" pitchFamily="34" charset="0"/>
                 <a:ea typeface="Calibri" panose="020F0502020204030204" pitchFamily="34" charset="0"/>
@@ -9233,7 +9389,7 @@
               <a:buNone/>
             </a:pPr>
             <a:r>
-              <a:rPr lang="en-IN" sz="2200" b="1" kern="100" dirty="0">
+              <a:rPr lang="en-IN" sz="2900" b="1" kern="100" dirty="0">
                 <a:effectLst/>
                 <a:latin typeface="Calibri" panose="020F0502020204030204" pitchFamily="34" charset="0"/>
                 <a:ea typeface="Calibri" panose="020F0502020204030204" pitchFamily="34" charset="0"/>
@@ -9241,7 +9397,7 @@
               </a:rPr>
               <a:t>Feature Scaling</a:t>
             </a:r>
-            <a:endParaRPr lang="en-IN" sz="2200" kern="100" dirty="0">
+            <a:endParaRPr lang="en-IN" sz="2900" kern="100" dirty="0">
               <a:effectLst/>
               <a:latin typeface="Calibri" panose="020F0502020204030204" pitchFamily="34" charset="0"/>
               <a:ea typeface="Calibri" panose="020F0502020204030204" pitchFamily="34" charset="0"/>
@@ -9264,7 +9420,7 @@
               </a:tabLst>
             </a:pPr>
             <a:r>
-              <a:rPr lang="en-IN" sz="2200" kern="100" dirty="0">
+              <a:rPr lang="en-IN" sz="2900" kern="100" dirty="0">
                 <a:effectLst/>
                 <a:latin typeface="Calibri" panose="020F0502020204030204" pitchFamily="34" charset="0"/>
                 <a:ea typeface="Calibri" panose="020F0502020204030204" pitchFamily="34" charset="0"/>
@@ -9273,7 +9429,7 @@
               <a:t>Numerical features were scaled using </a:t>
             </a:r>
             <a:r>
-              <a:rPr lang="en-IN" sz="2200" kern="100" dirty="0" err="1">
+              <a:rPr lang="en-IN" sz="2900" kern="100" dirty="0" err="1">
                 <a:effectLst/>
                 <a:latin typeface="Calibri" panose="020F0502020204030204" pitchFamily="34" charset="0"/>
                 <a:ea typeface="Calibri" panose="020F0502020204030204" pitchFamily="34" charset="0"/>
@@ -9282,7 +9438,7 @@
               <a:t>StandardScaler</a:t>
             </a:r>
             <a:r>
-              <a:rPr lang="en-IN" sz="2200" kern="100" dirty="0">
+              <a:rPr lang="en-IN" sz="2900" kern="100" dirty="0">
                 <a:effectLst/>
                 <a:latin typeface="Calibri" panose="020F0502020204030204" pitchFamily="34" charset="0"/>
                 <a:ea typeface="Calibri" panose="020F0502020204030204" pitchFamily="34" charset="0"/>
@@ -9384,7 +9540,12 @@
             <p:ph idx="1"/>
           </p:nvPr>
         </p:nvSpPr>
-        <p:spPr/>
+        <p:spPr>
+          <a:xfrm>
+            <a:off x="975872" y="2556932"/>
+            <a:ext cx="10189029" cy="3318936"/>
+          </a:xfrm>
+        </p:spPr>
         <p:txBody>
           <a:bodyPr>
             <a:normAutofit fontScale="85000" lnSpcReduction="20000"/>
